--- a/Capstone presentation.pptx
+++ b/Capstone presentation.pptx
@@ -13249,7 +13249,7 @@
           <a:p>
             <a:fld id="{8BC8D033-953E-4EB3-B08C-A3B453040F56}" type="datetimeFigureOut">
               <a:rPr lang="en-US" smtClean="0"/>
-              <a:t>4/13/2020</a:t>
+              <a:t>4/10/2020</a:t>
             </a:fld>
             <a:endParaRPr lang="en-US"/>
           </a:p>
@@ -13500,7 +13500,7 @@
           <a:p>
             <a:fld id="{8BC8D033-953E-4EB3-B08C-A3B453040F56}" type="datetimeFigureOut">
               <a:rPr lang="en-US" smtClean="0"/>
-              <a:t>4/13/2020</a:t>
+              <a:t>4/10/2020</a:t>
             </a:fld>
             <a:endParaRPr lang="en-US"/>
           </a:p>
@@ -13814,7 +13814,7 @@
           <a:p>
             <a:fld id="{8BC8D033-953E-4EB3-B08C-A3B453040F56}" type="datetimeFigureOut">
               <a:rPr lang="en-US" smtClean="0"/>
-              <a:t>4/13/2020</a:t>
+              <a:t>4/10/2020</a:t>
             </a:fld>
             <a:endParaRPr lang="en-US"/>
           </a:p>
@@ -14155,7 +14155,7 @@
           <a:p>
             <a:fld id="{8BC8D033-953E-4EB3-B08C-A3B453040F56}" type="datetimeFigureOut">
               <a:rPr lang="en-US" smtClean="0"/>
-              <a:t>4/13/2020</a:t>
+              <a:t>4/10/2020</a:t>
             </a:fld>
             <a:endParaRPr lang="en-US"/>
           </a:p>
@@ -14469,7 +14469,7 @@
           <a:p>
             <a:fld id="{8BC8D033-953E-4EB3-B08C-A3B453040F56}" type="datetimeFigureOut">
               <a:rPr lang="en-US" smtClean="0"/>
-              <a:t>4/13/2020</a:t>
+              <a:t>4/10/2020</a:t>
             </a:fld>
             <a:endParaRPr lang="en-US"/>
           </a:p>
@@ -14862,7 +14862,7 @@
           <a:p>
             <a:fld id="{8BC8D033-953E-4EB3-B08C-A3B453040F56}" type="datetimeFigureOut">
               <a:rPr lang="en-US" smtClean="0"/>
-              <a:t>4/13/2020</a:t>
+              <a:t>4/10/2020</a:t>
             </a:fld>
             <a:endParaRPr lang="en-US"/>
           </a:p>
@@ -15032,7 +15032,7 @@
           <a:p>
             <a:fld id="{8BC8D033-953E-4EB3-B08C-A3B453040F56}" type="datetimeFigureOut">
               <a:rPr lang="en-US" smtClean="0"/>
-              <a:t>4/13/2020</a:t>
+              <a:t>4/10/2020</a:t>
             </a:fld>
             <a:endParaRPr lang="en-US"/>
           </a:p>
@@ -15212,7 +15212,7 @@
           <a:p>
             <a:fld id="{8BC8D033-953E-4EB3-B08C-A3B453040F56}" type="datetimeFigureOut">
               <a:rPr lang="en-US" smtClean="0"/>
-              <a:t>4/13/2020</a:t>
+              <a:t>4/10/2020</a:t>
             </a:fld>
             <a:endParaRPr lang="en-US"/>
           </a:p>
@@ -15388,7 +15388,7 @@
           <a:p>
             <a:fld id="{8BC8D033-953E-4EB3-B08C-A3B453040F56}" type="datetimeFigureOut">
               <a:rPr lang="en-US" smtClean="0"/>
-              <a:t>4/13/2020</a:t>
+              <a:t>4/10/2020</a:t>
             </a:fld>
             <a:endParaRPr lang="en-US"/>
           </a:p>
@@ -15635,7 +15635,7 @@
           <a:p>
             <a:fld id="{8BC8D033-953E-4EB3-B08C-A3B453040F56}" type="datetimeFigureOut">
               <a:rPr lang="en-US" smtClean="0"/>
-              <a:t>4/13/2020</a:t>
+              <a:t>4/10/2020</a:t>
             </a:fld>
             <a:endParaRPr lang="en-US"/>
           </a:p>
@@ -15867,7 +15867,7 @@
           <a:p>
             <a:fld id="{8BC8D033-953E-4EB3-B08C-A3B453040F56}" type="datetimeFigureOut">
               <a:rPr lang="en-US" smtClean="0"/>
-              <a:t>4/13/2020</a:t>
+              <a:t>4/10/2020</a:t>
             </a:fld>
             <a:endParaRPr lang="en-US"/>
           </a:p>
@@ -16241,7 +16241,7 @@
           <a:p>
             <a:fld id="{8BC8D033-953E-4EB3-B08C-A3B453040F56}" type="datetimeFigureOut">
               <a:rPr lang="en-US" smtClean="0"/>
-              <a:t>4/13/2020</a:t>
+              <a:t>4/10/2020</a:t>
             </a:fld>
             <a:endParaRPr lang="en-US"/>
           </a:p>
@@ -16364,7 +16364,7 @@
           <a:p>
             <a:fld id="{8BC8D033-953E-4EB3-B08C-A3B453040F56}" type="datetimeFigureOut">
               <a:rPr lang="en-US" smtClean="0"/>
-              <a:t>4/13/2020</a:t>
+              <a:t>4/10/2020</a:t>
             </a:fld>
             <a:endParaRPr lang="en-US"/>
           </a:p>
@@ -16459,7 +16459,7 @@
           <a:p>
             <a:fld id="{8BC8D033-953E-4EB3-B08C-A3B453040F56}" type="datetimeFigureOut">
               <a:rPr lang="en-US" smtClean="0"/>
-              <a:t>4/13/2020</a:t>
+              <a:t>4/10/2020</a:t>
             </a:fld>
             <a:endParaRPr lang="en-US"/>
           </a:p>
@@ -16714,7 +16714,7 @@
           <a:p>
             <a:fld id="{8BC8D033-953E-4EB3-B08C-A3B453040F56}" type="datetimeFigureOut">
               <a:rPr lang="en-US" smtClean="0"/>
-              <a:t>4/13/2020</a:t>
+              <a:t>4/10/2020</a:t>
             </a:fld>
             <a:endParaRPr lang="en-US"/>
           </a:p>
@@ -16977,7 +16977,7 @@
           <a:p>
             <a:fld id="{8BC8D033-953E-4EB3-B08C-A3B453040F56}" type="datetimeFigureOut">
               <a:rPr lang="en-US" smtClean="0"/>
-              <a:t>4/13/2020</a:t>
+              <a:t>4/10/2020</a:t>
             </a:fld>
             <a:endParaRPr lang="en-US"/>
           </a:p>
@@ -17720,7 +17720,7 @@
           <a:p>
             <a:fld id="{8BC8D033-953E-4EB3-B08C-A3B453040F56}" type="datetimeFigureOut">
               <a:rPr lang="en-US" smtClean="0"/>
-              <a:t>4/13/2020</a:t>
+              <a:t>4/10/2020</a:t>
             </a:fld>
             <a:endParaRPr lang="en-US"/>
           </a:p>
@@ -18860,7 +18860,7 @@
         </p:blipFill>
         <p:spPr>
           <a:xfrm>
-            <a:off x="2499542" y="997342"/>
+            <a:off x="2499542" y="1011410"/>
             <a:ext cx="6419375" cy="5030615"/>
           </a:xfrm>
         </p:spPr>
@@ -20042,7 +20042,7 @@
         </p:blipFill>
         <p:spPr>
           <a:xfrm>
-            <a:off x="1889488" y="2691631"/>
+            <a:off x="1889488" y="2705699"/>
             <a:ext cx="6173061" cy="2791215"/>
           </a:xfrm>
         </p:spPr>
@@ -24217,16 +24217,7 @@
             </a:r>
           </a:p>
           <a:p>
-            <a:r>
-              <a:rPr lang="en-US" dirty="0"/>
-              <a:t>Wildfires. (2020). Retrieved 19 February 2020, from https://www.getprepared.gc.ca/cnt/hzd/wldfrs-en.aspx</a:t>
-            </a:r>
-          </a:p>
-          <a:p>
-            <a:r>
-              <a:rPr lang="en-US" dirty="0"/>
-              <a:t>Spatial wildfire occurrence data for the United States, 1992-2015 [FPA_FOD_4thedition]. (2020). Retrieved 19 February 2020, from https://data.fs.usda.gov/geodata/edw/edw_resources/meta/S_USA.FPA_FOD_4thedition.xml</a:t>
-            </a:r>
+            <a:endParaRPr lang="en-US" dirty="0"/>
           </a:p>
         </p:txBody>
       </p:sp>
@@ -27399,15 +27390,17 @@
           </a:p>
           <a:p>
             <a:r>
-              <a:rPr lang="en-US" dirty="0"/>
-              <a:t>Geographic Area</a:t>
+              <a:rPr lang="en-US" dirty="0" err="1"/>
+              <a:t>GeographicArea</a:t>
             </a:r>
+            <a:endParaRPr lang="en-US" dirty="0"/>
           </a:p>
           <a:p>
             <a:r>
-              <a:rPr lang="en-US" dirty="0"/>
-              <a:t>Unit Type</a:t>
+              <a:rPr lang="en-US" dirty="0" err="1"/>
+              <a:t>UnitType</a:t>
             </a:r>
+            <a:endParaRPr lang="en-US" dirty="0"/>
           </a:p>
           <a:p>
             <a:r>
